--- a/ppt 16-9/1599.恩典涌流.pptx
+++ b/ppt 16-9/1599.恩典涌流.pptx
@@ -5,7 +5,7 @@
     <p:sldMasterId id="2147483648" r:id="rId1"/>
   </p:sldMasterIdLst>
   <p:sldIdLst>
-    <p:sldId id="3459" r:id="rId2"/>
+    <p:sldId id="3460" r:id="rId2"/>
   </p:sldIdLst>
   <p:sldSz cx="12192000" cy="6858000"/>
   <p:notesSz cx="6858000" cy="9144000"/>
@@ -129,7 +129,7 @@
           <p:cNvPr id="2" name="标题 1">
             <a:extLst>
               <a:ext uri="{FF2B5EF4-FFF2-40B4-BE49-F238E27FC236}">
-                <a16:creationId xmlns:a16="http://schemas.microsoft.com/office/drawing/2014/main" id="{F89B82C3-DF64-6D3E-B6B4-BE28F28E1EDE}"/>
+                <a16:creationId xmlns:a16="http://schemas.microsoft.com/office/drawing/2014/main" id="{67F45675-27C1-1018-AC61-735A051860BF}"/>
               </a:ext>
             </a:extLst>
           </p:cNvPr>
@@ -166,7 +166,7 @@
           <p:cNvPr id="3" name="副标题 2">
             <a:extLst>
               <a:ext uri="{FF2B5EF4-FFF2-40B4-BE49-F238E27FC236}">
-                <a16:creationId xmlns:a16="http://schemas.microsoft.com/office/drawing/2014/main" id="{B193AD45-554F-99B0-95E4-6675D99F626B}"/>
+                <a16:creationId xmlns:a16="http://schemas.microsoft.com/office/drawing/2014/main" id="{75A2F27A-CDC4-76A6-DEDC-04936694655C}"/>
               </a:ext>
             </a:extLst>
           </p:cNvPr>
@@ -236,7 +236,7 @@
           <p:cNvPr id="4" name="日期占位符 3">
             <a:extLst>
               <a:ext uri="{FF2B5EF4-FFF2-40B4-BE49-F238E27FC236}">
-                <a16:creationId xmlns:a16="http://schemas.microsoft.com/office/drawing/2014/main" id="{C9600B7F-FA08-BF1E-7E8F-2E4D664799B5}"/>
+                <a16:creationId xmlns:a16="http://schemas.microsoft.com/office/drawing/2014/main" id="{233DABE0-86FF-2F0C-E29E-5548D66B88C5}"/>
               </a:ext>
             </a:extLst>
           </p:cNvPr>
@@ -252,7 +252,7 @@
           <a:bodyPr/>
           <a:lstStyle/>
           <a:p>
-            <a:fld id="{2392D398-3E67-4F08-A967-ABB929DED3C8}" type="datetimeFigureOut">
+            <a:fld id="{42CE3267-9C64-4FF3-9296-5764C63474AB}" type="datetimeFigureOut">
               <a:rPr lang="zh-CN" altLang="en-US" smtClean="0"/>
               <a:t>2024/3/10</a:t>
             </a:fld>
@@ -265,7 +265,7 @@
           <p:cNvPr id="5" name="页脚占位符 4">
             <a:extLst>
               <a:ext uri="{FF2B5EF4-FFF2-40B4-BE49-F238E27FC236}">
-                <a16:creationId xmlns:a16="http://schemas.microsoft.com/office/drawing/2014/main" id="{101457FC-0F66-5883-F75C-0575B16C87A0}"/>
+                <a16:creationId xmlns:a16="http://schemas.microsoft.com/office/drawing/2014/main" id="{9A853D02-028A-69BB-3D49-2925F8CD1ECD}"/>
               </a:ext>
             </a:extLst>
           </p:cNvPr>
@@ -290,7 +290,7 @@
           <p:cNvPr id="6" name="灯片编号占位符 5">
             <a:extLst>
               <a:ext uri="{FF2B5EF4-FFF2-40B4-BE49-F238E27FC236}">
-                <a16:creationId xmlns:a16="http://schemas.microsoft.com/office/drawing/2014/main" id="{1E267F53-5446-F441-7557-DCA51013D2DB}"/>
+                <a16:creationId xmlns:a16="http://schemas.microsoft.com/office/drawing/2014/main" id="{34F2D52D-4277-50D8-42FB-1B9E1EAE0546}"/>
               </a:ext>
             </a:extLst>
           </p:cNvPr>
@@ -306,7 +306,7 @@
           <a:bodyPr/>
           <a:lstStyle/>
           <a:p>
-            <a:fld id="{001A5D0B-5D05-4115-A299-D730C46AB8ED}" type="slidenum">
+            <a:fld id="{4766C07D-D749-4E0B-A691-03E6D07961D3}" type="slidenum">
               <a:rPr lang="zh-CN" altLang="en-US" smtClean="0"/>
               <a:t>‹#›</a:t>
             </a:fld>
@@ -317,7 +317,7 @@
     </p:spTree>
     <p:extLst>
       <p:ext uri="{BB962C8B-B14F-4D97-AF65-F5344CB8AC3E}">
-        <p14:creationId xmlns:p14="http://schemas.microsoft.com/office/powerpoint/2010/main" val="1484923814"/>
+        <p14:creationId xmlns:p14="http://schemas.microsoft.com/office/powerpoint/2010/main" val="3796808720"/>
       </p:ext>
     </p:extLst>
   </p:cSld>
@@ -349,7 +349,7 @@
           <p:cNvPr id="2" name="标题 1">
             <a:extLst>
               <a:ext uri="{FF2B5EF4-FFF2-40B4-BE49-F238E27FC236}">
-                <a16:creationId xmlns:a16="http://schemas.microsoft.com/office/drawing/2014/main" id="{BAE32F5C-DECD-AA89-902D-41BE02E4D1AD}"/>
+                <a16:creationId xmlns:a16="http://schemas.microsoft.com/office/drawing/2014/main" id="{F736FB25-3037-9973-00DB-E0C8D30B90F1}"/>
               </a:ext>
             </a:extLst>
           </p:cNvPr>
@@ -377,7 +377,7 @@
           <p:cNvPr id="3" name="竖排文字占位符 2">
             <a:extLst>
               <a:ext uri="{FF2B5EF4-FFF2-40B4-BE49-F238E27FC236}">
-                <a16:creationId xmlns:a16="http://schemas.microsoft.com/office/drawing/2014/main" id="{993F9323-A1D1-D235-620F-120B78307F06}"/>
+                <a16:creationId xmlns:a16="http://schemas.microsoft.com/office/drawing/2014/main" id="{A41A3943-610C-D9B9-357C-F26544186771}"/>
               </a:ext>
             </a:extLst>
           </p:cNvPr>
@@ -434,7 +434,7 @@
           <p:cNvPr id="4" name="日期占位符 3">
             <a:extLst>
               <a:ext uri="{FF2B5EF4-FFF2-40B4-BE49-F238E27FC236}">
-                <a16:creationId xmlns:a16="http://schemas.microsoft.com/office/drawing/2014/main" id="{D3D9B928-920A-F7F5-372F-448050433619}"/>
+                <a16:creationId xmlns:a16="http://schemas.microsoft.com/office/drawing/2014/main" id="{402D5FE6-F304-73B0-BA6E-BA1031B45A80}"/>
               </a:ext>
             </a:extLst>
           </p:cNvPr>
@@ -450,7 +450,7 @@
           <a:bodyPr/>
           <a:lstStyle/>
           <a:p>
-            <a:fld id="{2392D398-3E67-4F08-A967-ABB929DED3C8}" type="datetimeFigureOut">
+            <a:fld id="{42CE3267-9C64-4FF3-9296-5764C63474AB}" type="datetimeFigureOut">
               <a:rPr lang="zh-CN" altLang="en-US" smtClean="0"/>
               <a:t>2024/3/10</a:t>
             </a:fld>
@@ -463,7 +463,7 @@
           <p:cNvPr id="5" name="页脚占位符 4">
             <a:extLst>
               <a:ext uri="{FF2B5EF4-FFF2-40B4-BE49-F238E27FC236}">
-                <a16:creationId xmlns:a16="http://schemas.microsoft.com/office/drawing/2014/main" id="{82FAD45F-000E-5F70-722E-39AD447C65BF}"/>
+                <a16:creationId xmlns:a16="http://schemas.microsoft.com/office/drawing/2014/main" id="{D0D77801-C702-611C-15B9-B5246BE92FF7}"/>
               </a:ext>
             </a:extLst>
           </p:cNvPr>
@@ -488,7 +488,7 @@
           <p:cNvPr id="6" name="灯片编号占位符 5">
             <a:extLst>
               <a:ext uri="{FF2B5EF4-FFF2-40B4-BE49-F238E27FC236}">
-                <a16:creationId xmlns:a16="http://schemas.microsoft.com/office/drawing/2014/main" id="{77AB11D4-913C-9D34-C37F-0462F58FCCC4}"/>
+                <a16:creationId xmlns:a16="http://schemas.microsoft.com/office/drawing/2014/main" id="{B07FCAFA-0062-85C6-9811-11E821B79454}"/>
               </a:ext>
             </a:extLst>
           </p:cNvPr>
@@ -504,7 +504,7 @@
           <a:bodyPr/>
           <a:lstStyle/>
           <a:p>
-            <a:fld id="{001A5D0B-5D05-4115-A299-D730C46AB8ED}" type="slidenum">
+            <a:fld id="{4766C07D-D749-4E0B-A691-03E6D07961D3}" type="slidenum">
               <a:rPr lang="zh-CN" altLang="en-US" smtClean="0"/>
               <a:t>‹#›</a:t>
             </a:fld>
@@ -515,7 +515,7 @@
     </p:spTree>
     <p:extLst>
       <p:ext uri="{BB962C8B-B14F-4D97-AF65-F5344CB8AC3E}">
-        <p14:creationId xmlns:p14="http://schemas.microsoft.com/office/powerpoint/2010/main" val="2653125097"/>
+        <p14:creationId xmlns:p14="http://schemas.microsoft.com/office/powerpoint/2010/main" val="2959121052"/>
       </p:ext>
     </p:extLst>
   </p:cSld>
@@ -547,7 +547,7 @@
           <p:cNvPr id="2" name="竖排标题 1">
             <a:extLst>
               <a:ext uri="{FF2B5EF4-FFF2-40B4-BE49-F238E27FC236}">
-                <a16:creationId xmlns:a16="http://schemas.microsoft.com/office/drawing/2014/main" id="{639C3A7E-A014-15A4-F7EA-E2687A5EDB2D}"/>
+                <a16:creationId xmlns:a16="http://schemas.microsoft.com/office/drawing/2014/main" id="{7EC649AF-AE0B-F8FE-D4B1-472B5C78F40F}"/>
               </a:ext>
             </a:extLst>
           </p:cNvPr>
@@ -580,7 +580,7 @@
           <p:cNvPr id="3" name="竖排文字占位符 2">
             <a:extLst>
               <a:ext uri="{FF2B5EF4-FFF2-40B4-BE49-F238E27FC236}">
-                <a16:creationId xmlns:a16="http://schemas.microsoft.com/office/drawing/2014/main" id="{85EA5F4C-F0A7-96D6-971D-E436B53E1B84}"/>
+                <a16:creationId xmlns:a16="http://schemas.microsoft.com/office/drawing/2014/main" id="{EE05890E-2091-62D2-5950-4BE0BDEC17CD}"/>
               </a:ext>
             </a:extLst>
           </p:cNvPr>
@@ -642,7 +642,7 @@
           <p:cNvPr id="4" name="日期占位符 3">
             <a:extLst>
               <a:ext uri="{FF2B5EF4-FFF2-40B4-BE49-F238E27FC236}">
-                <a16:creationId xmlns:a16="http://schemas.microsoft.com/office/drawing/2014/main" id="{EDF37D2E-E280-D8BB-214C-441B37983555}"/>
+                <a16:creationId xmlns:a16="http://schemas.microsoft.com/office/drawing/2014/main" id="{2B82B6F4-2155-42B3-D74E-DD09328E817A}"/>
               </a:ext>
             </a:extLst>
           </p:cNvPr>
@@ -658,7 +658,7 @@
           <a:bodyPr/>
           <a:lstStyle/>
           <a:p>
-            <a:fld id="{2392D398-3E67-4F08-A967-ABB929DED3C8}" type="datetimeFigureOut">
+            <a:fld id="{42CE3267-9C64-4FF3-9296-5764C63474AB}" type="datetimeFigureOut">
               <a:rPr lang="zh-CN" altLang="en-US" smtClean="0"/>
               <a:t>2024/3/10</a:t>
             </a:fld>
@@ -671,7 +671,7 @@
           <p:cNvPr id="5" name="页脚占位符 4">
             <a:extLst>
               <a:ext uri="{FF2B5EF4-FFF2-40B4-BE49-F238E27FC236}">
-                <a16:creationId xmlns:a16="http://schemas.microsoft.com/office/drawing/2014/main" id="{C402E99B-F7CB-5D97-8CB2-4A54A8CFC4AC}"/>
+                <a16:creationId xmlns:a16="http://schemas.microsoft.com/office/drawing/2014/main" id="{A1C9DF62-261A-CA3F-BD0B-59A8F28764CE}"/>
               </a:ext>
             </a:extLst>
           </p:cNvPr>
@@ -696,7 +696,7 @@
           <p:cNvPr id="6" name="灯片编号占位符 5">
             <a:extLst>
               <a:ext uri="{FF2B5EF4-FFF2-40B4-BE49-F238E27FC236}">
-                <a16:creationId xmlns:a16="http://schemas.microsoft.com/office/drawing/2014/main" id="{56BB2CBC-432B-57E0-2DD1-7DDB1CA83312}"/>
+                <a16:creationId xmlns:a16="http://schemas.microsoft.com/office/drawing/2014/main" id="{8C252600-8934-534E-A610-8AF10E3675B4}"/>
               </a:ext>
             </a:extLst>
           </p:cNvPr>
@@ -712,7 +712,7 @@
           <a:bodyPr/>
           <a:lstStyle/>
           <a:p>
-            <a:fld id="{001A5D0B-5D05-4115-A299-D730C46AB8ED}" type="slidenum">
+            <a:fld id="{4766C07D-D749-4E0B-A691-03E6D07961D3}" type="slidenum">
               <a:rPr lang="zh-CN" altLang="en-US" smtClean="0"/>
               <a:t>‹#›</a:t>
             </a:fld>
@@ -723,7 +723,7 @@
     </p:spTree>
     <p:extLst>
       <p:ext uri="{BB962C8B-B14F-4D97-AF65-F5344CB8AC3E}">
-        <p14:creationId xmlns:p14="http://schemas.microsoft.com/office/powerpoint/2010/main" val="618148531"/>
+        <p14:creationId xmlns:p14="http://schemas.microsoft.com/office/powerpoint/2010/main" val="945247580"/>
       </p:ext>
     </p:extLst>
   </p:cSld>
@@ -755,7 +755,7 @@
           <p:cNvPr id="2" name="标题 1">
             <a:extLst>
               <a:ext uri="{FF2B5EF4-FFF2-40B4-BE49-F238E27FC236}">
-                <a16:creationId xmlns:a16="http://schemas.microsoft.com/office/drawing/2014/main" id="{93976497-84F2-8BD3-9152-A80F2FDA212C}"/>
+                <a16:creationId xmlns:a16="http://schemas.microsoft.com/office/drawing/2014/main" id="{F967AE98-F03D-C667-B599-3658BF5F5C3A}"/>
               </a:ext>
             </a:extLst>
           </p:cNvPr>
@@ -783,7 +783,7 @@
           <p:cNvPr id="3" name="内容占位符 2">
             <a:extLst>
               <a:ext uri="{FF2B5EF4-FFF2-40B4-BE49-F238E27FC236}">
-                <a16:creationId xmlns:a16="http://schemas.microsoft.com/office/drawing/2014/main" id="{1356F626-BA06-1BF7-9381-2A3DDF4F8520}"/>
+                <a16:creationId xmlns:a16="http://schemas.microsoft.com/office/drawing/2014/main" id="{57EA8305-5FF4-92A5-2BB6-69A8AA11B97C}"/>
               </a:ext>
             </a:extLst>
           </p:cNvPr>
@@ -840,7 +840,7 @@
           <p:cNvPr id="4" name="日期占位符 3">
             <a:extLst>
               <a:ext uri="{FF2B5EF4-FFF2-40B4-BE49-F238E27FC236}">
-                <a16:creationId xmlns:a16="http://schemas.microsoft.com/office/drawing/2014/main" id="{FFE9A024-3E5C-9E56-F52C-F9A89F86D56B}"/>
+                <a16:creationId xmlns:a16="http://schemas.microsoft.com/office/drawing/2014/main" id="{92C315DF-817D-9B09-0A3D-E23FD9939572}"/>
               </a:ext>
             </a:extLst>
           </p:cNvPr>
@@ -856,7 +856,7 @@
           <a:bodyPr/>
           <a:lstStyle/>
           <a:p>
-            <a:fld id="{2392D398-3E67-4F08-A967-ABB929DED3C8}" type="datetimeFigureOut">
+            <a:fld id="{42CE3267-9C64-4FF3-9296-5764C63474AB}" type="datetimeFigureOut">
               <a:rPr lang="zh-CN" altLang="en-US" smtClean="0"/>
               <a:t>2024/3/10</a:t>
             </a:fld>
@@ -869,7 +869,7 @@
           <p:cNvPr id="5" name="页脚占位符 4">
             <a:extLst>
               <a:ext uri="{FF2B5EF4-FFF2-40B4-BE49-F238E27FC236}">
-                <a16:creationId xmlns:a16="http://schemas.microsoft.com/office/drawing/2014/main" id="{C9188F98-7C46-F122-462A-A07BF210302D}"/>
+                <a16:creationId xmlns:a16="http://schemas.microsoft.com/office/drawing/2014/main" id="{32822EA4-7FB3-BF66-3737-C40995F521D3}"/>
               </a:ext>
             </a:extLst>
           </p:cNvPr>
@@ -894,7 +894,7 @@
           <p:cNvPr id="6" name="灯片编号占位符 5">
             <a:extLst>
               <a:ext uri="{FF2B5EF4-FFF2-40B4-BE49-F238E27FC236}">
-                <a16:creationId xmlns:a16="http://schemas.microsoft.com/office/drawing/2014/main" id="{80FEE6BE-2C10-67B0-5722-EDA1EE76706A}"/>
+                <a16:creationId xmlns:a16="http://schemas.microsoft.com/office/drawing/2014/main" id="{A12A9F98-40AC-B9F7-D9ED-E7635863AE4C}"/>
               </a:ext>
             </a:extLst>
           </p:cNvPr>
@@ -910,7 +910,7 @@
           <a:bodyPr/>
           <a:lstStyle/>
           <a:p>
-            <a:fld id="{001A5D0B-5D05-4115-A299-D730C46AB8ED}" type="slidenum">
+            <a:fld id="{4766C07D-D749-4E0B-A691-03E6D07961D3}" type="slidenum">
               <a:rPr lang="zh-CN" altLang="en-US" smtClean="0"/>
               <a:t>‹#›</a:t>
             </a:fld>
@@ -921,7 +921,7 @@
     </p:spTree>
     <p:extLst>
       <p:ext uri="{BB962C8B-B14F-4D97-AF65-F5344CB8AC3E}">
-        <p14:creationId xmlns:p14="http://schemas.microsoft.com/office/powerpoint/2010/main" val="7415509"/>
+        <p14:creationId xmlns:p14="http://schemas.microsoft.com/office/powerpoint/2010/main" val="890505361"/>
       </p:ext>
     </p:extLst>
   </p:cSld>
@@ -953,7 +953,7 @@
           <p:cNvPr id="2" name="标题 1">
             <a:extLst>
               <a:ext uri="{FF2B5EF4-FFF2-40B4-BE49-F238E27FC236}">
-                <a16:creationId xmlns:a16="http://schemas.microsoft.com/office/drawing/2014/main" id="{1655D21B-2683-6007-1F3F-2246E4CFCF0C}"/>
+                <a16:creationId xmlns:a16="http://schemas.microsoft.com/office/drawing/2014/main" id="{5B9802E1-DCF5-114B-5D03-83ABDDFB6BC3}"/>
               </a:ext>
             </a:extLst>
           </p:cNvPr>
@@ -990,7 +990,7 @@
           <p:cNvPr id="3" name="文本占位符 2">
             <a:extLst>
               <a:ext uri="{FF2B5EF4-FFF2-40B4-BE49-F238E27FC236}">
-                <a16:creationId xmlns:a16="http://schemas.microsoft.com/office/drawing/2014/main" id="{6ADF7C94-D2F8-AE48-C43E-558BB2A5541D}"/>
+                <a16:creationId xmlns:a16="http://schemas.microsoft.com/office/drawing/2014/main" id="{1BBD6D41-C3C4-E4C2-3AA8-20E5C3F279C7}"/>
               </a:ext>
             </a:extLst>
           </p:cNvPr>
@@ -1115,7 +1115,7 @@
           <p:cNvPr id="4" name="日期占位符 3">
             <a:extLst>
               <a:ext uri="{FF2B5EF4-FFF2-40B4-BE49-F238E27FC236}">
-                <a16:creationId xmlns:a16="http://schemas.microsoft.com/office/drawing/2014/main" id="{3A0BC05F-E0D6-C66E-C7E0-EB6B29E7B4B0}"/>
+                <a16:creationId xmlns:a16="http://schemas.microsoft.com/office/drawing/2014/main" id="{142D36D8-C87E-BDED-A4B9-424522773287}"/>
               </a:ext>
             </a:extLst>
           </p:cNvPr>
@@ -1131,7 +1131,7 @@
           <a:bodyPr/>
           <a:lstStyle/>
           <a:p>
-            <a:fld id="{2392D398-3E67-4F08-A967-ABB929DED3C8}" type="datetimeFigureOut">
+            <a:fld id="{42CE3267-9C64-4FF3-9296-5764C63474AB}" type="datetimeFigureOut">
               <a:rPr lang="zh-CN" altLang="en-US" smtClean="0"/>
               <a:t>2024/3/10</a:t>
             </a:fld>
@@ -1144,7 +1144,7 @@
           <p:cNvPr id="5" name="页脚占位符 4">
             <a:extLst>
               <a:ext uri="{FF2B5EF4-FFF2-40B4-BE49-F238E27FC236}">
-                <a16:creationId xmlns:a16="http://schemas.microsoft.com/office/drawing/2014/main" id="{A68045E7-551F-7AFB-EEC6-8A2AD067C16D}"/>
+                <a16:creationId xmlns:a16="http://schemas.microsoft.com/office/drawing/2014/main" id="{879A3189-75F4-BCB2-01B4-B2F1CC6B60B2}"/>
               </a:ext>
             </a:extLst>
           </p:cNvPr>
@@ -1169,7 +1169,7 @@
           <p:cNvPr id="6" name="灯片编号占位符 5">
             <a:extLst>
               <a:ext uri="{FF2B5EF4-FFF2-40B4-BE49-F238E27FC236}">
-                <a16:creationId xmlns:a16="http://schemas.microsoft.com/office/drawing/2014/main" id="{939D795E-139D-FA86-1EDA-C0AB87C6206C}"/>
+                <a16:creationId xmlns:a16="http://schemas.microsoft.com/office/drawing/2014/main" id="{FF0D3A43-DDC3-EC5D-27B7-DEF9B5135E6C}"/>
               </a:ext>
             </a:extLst>
           </p:cNvPr>
@@ -1185,7 +1185,7 @@
           <a:bodyPr/>
           <a:lstStyle/>
           <a:p>
-            <a:fld id="{001A5D0B-5D05-4115-A299-D730C46AB8ED}" type="slidenum">
+            <a:fld id="{4766C07D-D749-4E0B-A691-03E6D07961D3}" type="slidenum">
               <a:rPr lang="zh-CN" altLang="en-US" smtClean="0"/>
               <a:t>‹#›</a:t>
             </a:fld>
@@ -1196,7 +1196,7 @@
     </p:spTree>
     <p:extLst>
       <p:ext uri="{BB962C8B-B14F-4D97-AF65-F5344CB8AC3E}">
-        <p14:creationId xmlns:p14="http://schemas.microsoft.com/office/powerpoint/2010/main" val="3471780521"/>
+        <p14:creationId xmlns:p14="http://schemas.microsoft.com/office/powerpoint/2010/main" val="1260658123"/>
       </p:ext>
     </p:extLst>
   </p:cSld>
@@ -1228,7 +1228,7 @@
           <p:cNvPr id="2" name="标题 1">
             <a:extLst>
               <a:ext uri="{FF2B5EF4-FFF2-40B4-BE49-F238E27FC236}">
-                <a16:creationId xmlns:a16="http://schemas.microsoft.com/office/drawing/2014/main" id="{42FD0DAF-5D3F-596A-E3E9-C91D4CADA1E0}"/>
+                <a16:creationId xmlns:a16="http://schemas.microsoft.com/office/drawing/2014/main" id="{0F982158-615F-14DB-517F-9718F54E39AA}"/>
               </a:ext>
             </a:extLst>
           </p:cNvPr>
@@ -1256,7 +1256,7 @@
           <p:cNvPr id="3" name="内容占位符 2">
             <a:extLst>
               <a:ext uri="{FF2B5EF4-FFF2-40B4-BE49-F238E27FC236}">
-                <a16:creationId xmlns:a16="http://schemas.microsoft.com/office/drawing/2014/main" id="{6A170B13-1D17-9E29-3021-9A0788C39C04}"/>
+                <a16:creationId xmlns:a16="http://schemas.microsoft.com/office/drawing/2014/main" id="{9B3B4A8D-0E31-21D2-1E96-EA8C140BD6F4}"/>
               </a:ext>
             </a:extLst>
           </p:cNvPr>
@@ -1318,7 +1318,7 @@
           <p:cNvPr id="4" name="内容占位符 3">
             <a:extLst>
               <a:ext uri="{FF2B5EF4-FFF2-40B4-BE49-F238E27FC236}">
-                <a16:creationId xmlns:a16="http://schemas.microsoft.com/office/drawing/2014/main" id="{2A9DE58C-5DD3-FC71-D0FA-E1F67DD11957}"/>
+                <a16:creationId xmlns:a16="http://schemas.microsoft.com/office/drawing/2014/main" id="{28BE42E9-69B7-E3D1-BBE4-B6B094A7E79F}"/>
               </a:ext>
             </a:extLst>
           </p:cNvPr>
@@ -1380,7 +1380,7 @@
           <p:cNvPr id="5" name="日期占位符 4">
             <a:extLst>
               <a:ext uri="{FF2B5EF4-FFF2-40B4-BE49-F238E27FC236}">
-                <a16:creationId xmlns:a16="http://schemas.microsoft.com/office/drawing/2014/main" id="{54B0256E-357E-6FD1-CD1D-ADF66CBCF695}"/>
+                <a16:creationId xmlns:a16="http://schemas.microsoft.com/office/drawing/2014/main" id="{B029EB54-DEDA-24E9-740C-D3717100AD12}"/>
               </a:ext>
             </a:extLst>
           </p:cNvPr>
@@ -1396,7 +1396,7 @@
           <a:bodyPr/>
           <a:lstStyle/>
           <a:p>
-            <a:fld id="{2392D398-3E67-4F08-A967-ABB929DED3C8}" type="datetimeFigureOut">
+            <a:fld id="{42CE3267-9C64-4FF3-9296-5764C63474AB}" type="datetimeFigureOut">
               <a:rPr lang="zh-CN" altLang="en-US" smtClean="0"/>
               <a:t>2024/3/10</a:t>
             </a:fld>
@@ -1409,7 +1409,7 @@
           <p:cNvPr id="6" name="页脚占位符 5">
             <a:extLst>
               <a:ext uri="{FF2B5EF4-FFF2-40B4-BE49-F238E27FC236}">
-                <a16:creationId xmlns:a16="http://schemas.microsoft.com/office/drawing/2014/main" id="{C2B907B0-E56D-20F2-52FD-111A13FE065F}"/>
+                <a16:creationId xmlns:a16="http://schemas.microsoft.com/office/drawing/2014/main" id="{A3F310F7-A99F-566E-31E7-F5C6B51ABE57}"/>
               </a:ext>
             </a:extLst>
           </p:cNvPr>
@@ -1434,7 +1434,7 @@
           <p:cNvPr id="7" name="灯片编号占位符 6">
             <a:extLst>
               <a:ext uri="{FF2B5EF4-FFF2-40B4-BE49-F238E27FC236}">
-                <a16:creationId xmlns:a16="http://schemas.microsoft.com/office/drawing/2014/main" id="{DF04F60F-4A1F-A626-D498-564EBB9F10AC}"/>
+                <a16:creationId xmlns:a16="http://schemas.microsoft.com/office/drawing/2014/main" id="{5D5BFBBD-B703-09DD-1D3D-092A7161E0F1}"/>
               </a:ext>
             </a:extLst>
           </p:cNvPr>
@@ -1450,7 +1450,7 @@
           <a:bodyPr/>
           <a:lstStyle/>
           <a:p>
-            <a:fld id="{001A5D0B-5D05-4115-A299-D730C46AB8ED}" type="slidenum">
+            <a:fld id="{4766C07D-D749-4E0B-A691-03E6D07961D3}" type="slidenum">
               <a:rPr lang="zh-CN" altLang="en-US" smtClean="0"/>
               <a:t>‹#›</a:t>
             </a:fld>
@@ -1461,7 +1461,7 @@
     </p:spTree>
     <p:extLst>
       <p:ext uri="{BB962C8B-B14F-4D97-AF65-F5344CB8AC3E}">
-        <p14:creationId xmlns:p14="http://schemas.microsoft.com/office/powerpoint/2010/main" val="451991035"/>
+        <p14:creationId xmlns:p14="http://schemas.microsoft.com/office/powerpoint/2010/main" val="2997654626"/>
       </p:ext>
     </p:extLst>
   </p:cSld>
@@ -1493,7 +1493,7 @@
           <p:cNvPr id="2" name="标题 1">
             <a:extLst>
               <a:ext uri="{FF2B5EF4-FFF2-40B4-BE49-F238E27FC236}">
-                <a16:creationId xmlns:a16="http://schemas.microsoft.com/office/drawing/2014/main" id="{DABAE0DA-1444-065C-C7D9-E453557D1354}"/>
+                <a16:creationId xmlns:a16="http://schemas.microsoft.com/office/drawing/2014/main" id="{EF08A6B1-6F7C-657F-2752-366EB00D1F98}"/>
               </a:ext>
             </a:extLst>
           </p:cNvPr>
@@ -1526,7 +1526,7 @@
           <p:cNvPr id="3" name="文本占位符 2">
             <a:extLst>
               <a:ext uri="{FF2B5EF4-FFF2-40B4-BE49-F238E27FC236}">
-                <a16:creationId xmlns:a16="http://schemas.microsoft.com/office/drawing/2014/main" id="{3C799637-9C9B-762A-C241-1E9B2B951731}"/>
+                <a16:creationId xmlns:a16="http://schemas.microsoft.com/office/drawing/2014/main" id="{545C94BC-D191-5A66-9246-D951F91190CF}"/>
               </a:ext>
             </a:extLst>
           </p:cNvPr>
@@ -1597,7 +1597,7 @@
           <p:cNvPr id="4" name="内容占位符 3">
             <a:extLst>
               <a:ext uri="{FF2B5EF4-FFF2-40B4-BE49-F238E27FC236}">
-                <a16:creationId xmlns:a16="http://schemas.microsoft.com/office/drawing/2014/main" id="{29D10B78-989A-0055-A974-05D049C19901}"/>
+                <a16:creationId xmlns:a16="http://schemas.microsoft.com/office/drawing/2014/main" id="{3DBE17D8-B66C-3AA5-390A-6F3A079E5D26}"/>
               </a:ext>
             </a:extLst>
           </p:cNvPr>
@@ -1659,7 +1659,7 @@
           <p:cNvPr id="5" name="文本占位符 4">
             <a:extLst>
               <a:ext uri="{FF2B5EF4-FFF2-40B4-BE49-F238E27FC236}">
-                <a16:creationId xmlns:a16="http://schemas.microsoft.com/office/drawing/2014/main" id="{D339FB65-9256-4283-7371-52C09AF355C4}"/>
+                <a16:creationId xmlns:a16="http://schemas.microsoft.com/office/drawing/2014/main" id="{9D7FC2C4-26B0-677D-59CA-8066C3ADE84E}"/>
               </a:ext>
             </a:extLst>
           </p:cNvPr>
@@ -1730,7 +1730,7 @@
           <p:cNvPr id="6" name="内容占位符 5">
             <a:extLst>
               <a:ext uri="{FF2B5EF4-FFF2-40B4-BE49-F238E27FC236}">
-                <a16:creationId xmlns:a16="http://schemas.microsoft.com/office/drawing/2014/main" id="{3A116721-85BB-45A0-3024-C1C85CDA7562}"/>
+                <a16:creationId xmlns:a16="http://schemas.microsoft.com/office/drawing/2014/main" id="{A993DABA-8140-7255-BEF7-10E46EAC5CA3}"/>
               </a:ext>
             </a:extLst>
           </p:cNvPr>
@@ -1792,7 +1792,7 @@
           <p:cNvPr id="7" name="日期占位符 6">
             <a:extLst>
               <a:ext uri="{FF2B5EF4-FFF2-40B4-BE49-F238E27FC236}">
-                <a16:creationId xmlns:a16="http://schemas.microsoft.com/office/drawing/2014/main" id="{1E5BD12C-E86A-41E5-9CDC-00BDDD9BF741}"/>
+                <a16:creationId xmlns:a16="http://schemas.microsoft.com/office/drawing/2014/main" id="{834EDB7A-1233-E1DD-AB7D-4EC93A0B63A9}"/>
               </a:ext>
             </a:extLst>
           </p:cNvPr>
@@ -1808,7 +1808,7 @@
           <a:bodyPr/>
           <a:lstStyle/>
           <a:p>
-            <a:fld id="{2392D398-3E67-4F08-A967-ABB929DED3C8}" type="datetimeFigureOut">
+            <a:fld id="{42CE3267-9C64-4FF3-9296-5764C63474AB}" type="datetimeFigureOut">
               <a:rPr lang="zh-CN" altLang="en-US" smtClean="0"/>
               <a:t>2024/3/10</a:t>
             </a:fld>
@@ -1821,7 +1821,7 @@
           <p:cNvPr id="8" name="页脚占位符 7">
             <a:extLst>
               <a:ext uri="{FF2B5EF4-FFF2-40B4-BE49-F238E27FC236}">
-                <a16:creationId xmlns:a16="http://schemas.microsoft.com/office/drawing/2014/main" id="{94834E60-FC2B-1E83-53F2-078A65766CD7}"/>
+                <a16:creationId xmlns:a16="http://schemas.microsoft.com/office/drawing/2014/main" id="{63BA71F7-7A2B-6B5A-9FB4-CAE508A96168}"/>
               </a:ext>
             </a:extLst>
           </p:cNvPr>
@@ -1846,7 +1846,7 @@
           <p:cNvPr id="9" name="灯片编号占位符 8">
             <a:extLst>
               <a:ext uri="{FF2B5EF4-FFF2-40B4-BE49-F238E27FC236}">
-                <a16:creationId xmlns:a16="http://schemas.microsoft.com/office/drawing/2014/main" id="{2E42F395-76B3-1AB6-C44F-AC7A11368144}"/>
+                <a16:creationId xmlns:a16="http://schemas.microsoft.com/office/drawing/2014/main" id="{F0E3B3E2-E969-0042-1FA0-90A2EE61B476}"/>
               </a:ext>
             </a:extLst>
           </p:cNvPr>
@@ -1862,7 +1862,7 @@
           <a:bodyPr/>
           <a:lstStyle/>
           <a:p>
-            <a:fld id="{001A5D0B-5D05-4115-A299-D730C46AB8ED}" type="slidenum">
+            <a:fld id="{4766C07D-D749-4E0B-A691-03E6D07961D3}" type="slidenum">
               <a:rPr lang="zh-CN" altLang="en-US" smtClean="0"/>
               <a:t>‹#›</a:t>
             </a:fld>
@@ -1873,7 +1873,7 @@
     </p:spTree>
     <p:extLst>
       <p:ext uri="{BB962C8B-B14F-4D97-AF65-F5344CB8AC3E}">
-        <p14:creationId xmlns:p14="http://schemas.microsoft.com/office/powerpoint/2010/main" val="1445028897"/>
+        <p14:creationId xmlns:p14="http://schemas.microsoft.com/office/powerpoint/2010/main" val="1210956857"/>
       </p:ext>
     </p:extLst>
   </p:cSld>
@@ -1905,7 +1905,7 @@
           <p:cNvPr id="2" name="标题 1">
             <a:extLst>
               <a:ext uri="{FF2B5EF4-FFF2-40B4-BE49-F238E27FC236}">
-                <a16:creationId xmlns:a16="http://schemas.microsoft.com/office/drawing/2014/main" id="{CD3BAFB4-A449-1DD0-B8C3-1F807C228B1C}"/>
+                <a16:creationId xmlns:a16="http://schemas.microsoft.com/office/drawing/2014/main" id="{BD1D73CF-F074-9228-3000-1388E7453787}"/>
               </a:ext>
             </a:extLst>
           </p:cNvPr>
@@ -1933,7 +1933,7 @@
           <p:cNvPr id="3" name="日期占位符 2">
             <a:extLst>
               <a:ext uri="{FF2B5EF4-FFF2-40B4-BE49-F238E27FC236}">
-                <a16:creationId xmlns:a16="http://schemas.microsoft.com/office/drawing/2014/main" id="{8A74315B-212D-4A3C-9866-1F21E17AAB55}"/>
+                <a16:creationId xmlns:a16="http://schemas.microsoft.com/office/drawing/2014/main" id="{E1AF6C6F-15C4-153E-2CDB-672F020C6869}"/>
               </a:ext>
             </a:extLst>
           </p:cNvPr>
@@ -1949,7 +1949,7 @@
           <a:bodyPr/>
           <a:lstStyle/>
           <a:p>
-            <a:fld id="{2392D398-3E67-4F08-A967-ABB929DED3C8}" type="datetimeFigureOut">
+            <a:fld id="{42CE3267-9C64-4FF3-9296-5764C63474AB}" type="datetimeFigureOut">
               <a:rPr lang="zh-CN" altLang="en-US" smtClean="0"/>
               <a:t>2024/3/10</a:t>
             </a:fld>
@@ -1962,7 +1962,7 @@
           <p:cNvPr id="4" name="页脚占位符 3">
             <a:extLst>
               <a:ext uri="{FF2B5EF4-FFF2-40B4-BE49-F238E27FC236}">
-                <a16:creationId xmlns:a16="http://schemas.microsoft.com/office/drawing/2014/main" id="{53240573-5966-3571-7C7E-4A5A58E9D143}"/>
+                <a16:creationId xmlns:a16="http://schemas.microsoft.com/office/drawing/2014/main" id="{15CF7845-6754-0B62-2236-B76896BE84A8}"/>
               </a:ext>
             </a:extLst>
           </p:cNvPr>
@@ -1987,7 +1987,7 @@
           <p:cNvPr id="5" name="灯片编号占位符 4">
             <a:extLst>
               <a:ext uri="{FF2B5EF4-FFF2-40B4-BE49-F238E27FC236}">
-                <a16:creationId xmlns:a16="http://schemas.microsoft.com/office/drawing/2014/main" id="{701B7F28-042C-D150-8D8C-A7861A21A3FB}"/>
+                <a16:creationId xmlns:a16="http://schemas.microsoft.com/office/drawing/2014/main" id="{81F6AF23-4385-43ED-0A29-ECBB65246004}"/>
               </a:ext>
             </a:extLst>
           </p:cNvPr>
@@ -2003,7 +2003,7 @@
           <a:bodyPr/>
           <a:lstStyle/>
           <a:p>
-            <a:fld id="{001A5D0B-5D05-4115-A299-D730C46AB8ED}" type="slidenum">
+            <a:fld id="{4766C07D-D749-4E0B-A691-03E6D07961D3}" type="slidenum">
               <a:rPr lang="zh-CN" altLang="en-US" smtClean="0"/>
               <a:t>‹#›</a:t>
             </a:fld>
@@ -2014,7 +2014,7 @@
     </p:spTree>
     <p:extLst>
       <p:ext uri="{BB962C8B-B14F-4D97-AF65-F5344CB8AC3E}">
-        <p14:creationId xmlns:p14="http://schemas.microsoft.com/office/powerpoint/2010/main" val="2560152314"/>
+        <p14:creationId xmlns:p14="http://schemas.microsoft.com/office/powerpoint/2010/main" val="3128544250"/>
       </p:ext>
     </p:extLst>
   </p:cSld>
@@ -2046,7 +2046,7 @@
           <p:cNvPr id="2" name="日期占位符 1">
             <a:extLst>
               <a:ext uri="{FF2B5EF4-FFF2-40B4-BE49-F238E27FC236}">
-                <a16:creationId xmlns:a16="http://schemas.microsoft.com/office/drawing/2014/main" id="{B8908399-ED99-B492-D187-BEBBFEE8774F}"/>
+                <a16:creationId xmlns:a16="http://schemas.microsoft.com/office/drawing/2014/main" id="{D3687F46-D272-7EEE-4EA8-74181BBA928A}"/>
               </a:ext>
             </a:extLst>
           </p:cNvPr>
@@ -2062,7 +2062,7 @@
           <a:bodyPr/>
           <a:lstStyle/>
           <a:p>
-            <a:fld id="{2392D398-3E67-4F08-A967-ABB929DED3C8}" type="datetimeFigureOut">
+            <a:fld id="{42CE3267-9C64-4FF3-9296-5764C63474AB}" type="datetimeFigureOut">
               <a:rPr lang="zh-CN" altLang="en-US" smtClean="0"/>
               <a:t>2024/3/10</a:t>
             </a:fld>
@@ -2075,7 +2075,7 @@
           <p:cNvPr id="3" name="页脚占位符 2">
             <a:extLst>
               <a:ext uri="{FF2B5EF4-FFF2-40B4-BE49-F238E27FC236}">
-                <a16:creationId xmlns:a16="http://schemas.microsoft.com/office/drawing/2014/main" id="{9BC1C05D-6C76-FB66-C08F-F4754FF53774}"/>
+                <a16:creationId xmlns:a16="http://schemas.microsoft.com/office/drawing/2014/main" id="{E96A49C2-C334-457B-F0BB-ECAFC40E996A}"/>
               </a:ext>
             </a:extLst>
           </p:cNvPr>
@@ -2100,7 +2100,7 @@
           <p:cNvPr id="4" name="灯片编号占位符 3">
             <a:extLst>
               <a:ext uri="{FF2B5EF4-FFF2-40B4-BE49-F238E27FC236}">
-                <a16:creationId xmlns:a16="http://schemas.microsoft.com/office/drawing/2014/main" id="{EE71586E-D2A0-E773-C452-F793A7F27794}"/>
+                <a16:creationId xmlns:a16="http://schemas.microsoft.com/office/drawing/2014/main" id="{4E6E721A-1950-5FB4-D326-B7F32E19FCD3}"/>
               </a:ext>
             </a:extLst>
           </p:cNvPr>
@@ -2116,7 +2116,7 @@
           <a:bodyPr/>
           <a:lstStyle/>
           <a:p>
-            <a:fld id="{001A5D0B-5D05-4115-A299-D730C46AB8ED}" type="slidenum">
+            <a:fld id="{4766C07D-D749-4E0B-A691-03E6D07961D3}" type="slidenum">
               <a:rPr lang="zh-CN" altLang="en-US" smtClean="0"/>
               <a:t>‹#›</a:t>
             </a:fld>
@@ -2127,7 +2127,7 @@
     </p:spTree>
     <p:extLst>
       <p:ext uri="{BB962C8B-B14F-4D97-AF65-F5344CB8AC3E}">
-        <p14:creationId xmlns:p14="http://schemas.microsoft.com/office/powerpoint/2010/main" val="724363985"/>
+        <p14:creationId xmlns:p14="http://schemas.microsoft.com/office/powerpoint/2010/main" val="4062519947"/>
       </p:ext>
     </p:extLst>
   </p:cSld>
@@ -2159,7 +2159,7 @@
           <p:cNvPr id="2" name="标题 1">
             <a:extLst>
               <a:ext uri="{FF2B5EF4-FFF2-40B4-BE49-F238E27FC236}">
-                <a16:creationId xmlns:a16="http://schemas.microsoft.com/office/drawing/2014/main" id="{9345EF34-1EA0-B958-254C-879236A264E5}"/>
+                <a16:creationId xmlns:a16="http://schemas.microsoft.com/office/drawing/2014/main" id="{F8FCAF9A-A507-B2E4-D816-FE555065A824}"/>
               </a:ext>
             </a:extLst>
           </p:cNvPr>
@@ -2196,7 +2196,7 @@
           <p:cNvPr id="3" name="内容占位符 2">
             <a:extLst>
               <a:ext uri="{FF2B5EF4-FFF2-40B4-BE49-F238E27FC236}">
-                <a16:creationId xmlns:a16="http://schemas.microsoft.com/office/drawing/2014/main" id="{C6A1A233-3062-1F79-3C86-B2B9E258B0DF}"/>
+                <a16:creationId xmlns:a16="http://schemas.microsoft.com/office/drawing/2014/main" id="{DB62C018-2E77-599A-6AF5-45679E396AA3}"/>
               </a:ext>
             </a:extLst>
           </p:cNvPr>
@@ -2286,7 +2286,7 @@
           <p:cNvPr id="4" name="文本占位符 3">
             <a:extLst>
               <a:ext uri="{FF2B5EF4-FFF2-40B4-BE49-F238E27FC236}">
-                <a16:creationId xmlns:a16="http://schemas.microsoft.com/office/drawing/2014/main" id="{4F5DEE1C-4A62-E64F-9363-6CCEEB789388}"/>
+                <a16:creationId xmlns:a16="http://schemas.microsoft.com/office/drawing/2014/main" id="{BAFA8E52-D7B7-1100-942E-273B752594A7}"/>
               </a:ext>
             </a:extLst>
           </p:cNvPr>
@@ -2357,7 +2357,7 @@
           <p:cNvPr id="5" name="日期占位符 4">
             <a:extLst>
               <a:ext uri="{FF2B5EF4-FFF2-40B4-BE49-F238E27FC236}">
-                <a16:creationId xmlns:a16="http://schemas.microsoft.com/office/drawing/2014/main" id="{CF6E8DE4-0A13-1D73-D3CA-B78CC5A599E8}"/>
+                <a16:creationId xmlns:a16="http://schemas.microsoft.com/office/drawing/2014/main" id="{851B4C36-E95D-4807-DEC8-EFFE77CB3F0B}"/>
               </a:ext>
             </a:extLst>
           </p:cNvPr>
@@ -2373,7 +2373,7 @@
           <a:bodyPr/>
           <a:lstStyle/>
           <a:p>
-            <a:fld id="{2392D398-3E67-4F08-A967-ABB929DED3C8}" type="datetimeFigureOut">
+            <a:fld id="{42CE3267-9C64-4FF3-9296-5764C63474AB}" type="datetimeFigureOut">
               <a:rPr lang="zh-CN" altLang="en-US" smtClean="0"/>
               <a:t>2024/3/10</a:t>
             </a:fld>
@@ -2386,7 +2386,7 @@
           <p:cNvPr id="6" name="页脚占位符 5">
             <a:extLst>
               <a:ext uri="{FF2B5EF4-FFF2-40B4-BE49-F238E27FC236}">
-                <a16:creationId xmlns:a16="http://schemas.microsoft.com/office/drawing/2014/main" id="{FD1A2814-559C-A4F2-E000-116D76AEE0A1}"/>
+                <a16:creationId xmlns:a16="http://schemas.microsoft.com/office/drawing/2014/main" id="{EA9920A2-A35A-0411-7994-EF4C28256320}"/>
               </a:ext>
             </a:extLst>
           </p:cNvPr>
@@ -2411,7 +2411,7 @@
           <p:cNvPr id="7" name="灯片编号占位符 6">
             <a:extLst>
               <a:ext uri="{FF2B5EF4-FFF2-40B4-BE49-F238E27FC236}">
-                <a16:creationId xmlns:a16="http://schemas.microsoft.com/office/drawing/2014/main" id="{BEF48704-8DD8-CE3E-DAA9-AAF376C6D6F0}"/>
+                <a16:creationId xmlns:a16="http://schemas.microsoft.com/office/drawing/2014/main" id="{D4D0E85B-2FB9-A634-3EBC-CB856B887C4F}"/>
               </a:ext>
             </a:extLst>
           </p:cNvPr>
@@ -2427,7 +2427,7 @@
           <a:bodyPr/>
           <a:lstStyle/>
           <a:p>
-            <a:fld id="{001A5D0B-5D05-4115-A299-D730C46AB8ED}" type="slidenum">
+            <a:fld id="{4766C07D-D749-4E0B-A691-03E6D07961D3}" type="slidenum">
               <a:rPr lang="zh-CN" altLang="en-US" smtClean="0"/>
               <a:t>‹#›</a:t>
             </a:fld>
@@ -2438,7 +2438,7 @@
     </p:spTree>
     <p:extLst>
       <p:ext uri="{BB962C8B-B14F-4D97-AF65-F5344CB8AC3E}">
-        <p14:creationId xmlns:p14="http://schemas.microsoft.com/office/powerpoint/2010/main" val="1679114510"/>
+        <p14:creationId xmlns:p14="http://schemas.microsoft.com/office/powerpoint/2010/main" val="221845315"/>
       </p:ext>
     </p:extLst>
   </p:cSld>
@@ -2470,7 +2470,7 @@
           <p:cNvPr id="2" name="标题 1">
             <a:extLst>
               <a:ext uri="{FF2B5EF4-FFF2-40B4-BE49-F238E27FC236}">
-                <a16:creationId xmlns:a16="http://schemas.microsoft.com/office/drawing/2014/main" id="{10033C32-1445-68EA-D113-0A5B33959FD3}"/>
+                <a16:creationId xmlns:a16="http://schemas.microsoft.com/office/drawing/2014/main" id="{9A947F49-CEEE-1A23-6AA7-5432C5AB6E55}"/>
               </a:ext>
             </a:extLst>
           </p:cNvPr>
@@ -2507,7 +2507,7 @@
           <p:cNvPr id="3" name="图片占位符 2">
             <a:extLst>
               <a:ext uri="{FF2B5EF4-FFF2-40B4-BE49-F238E27FC236}">
-                <a16:creationId xmlns:a16="http://schemas.microsoft.com/office/drawing/2014/main" id="{D4708777-3CF8-1812-EA57-EB974F22DACD}"/>
+                <a16:creationId xmlns:a16="http://schemas.microsoft.com/office/drawing/2014/main" id="{81E4DFDA-DBDE-56A7-85AD-E9A9A39454CD}"/>
               </a:ext>
             </a:extLst>
           </p:cNvPr>
@@ -2574,7 +2574,7 @@
           <p:cNvPr id="4" name="文本占位符 3">
             <a:extLst>
               <a:ext uri="{FF2B5EF4-FFF2-40B4-BE49-F238E27FC236}">
-                <a16:creationId xmlns:a16="http://schemas.microsoft.com/office/drawing/2014/main" id="{332C4CCD-C56D-B660-A8B9-3F623B9D3529}"/>
+                <a16:creationId xmlns:a16="http://schemas.microsoft.com/office/drawing/2014/main" id="{DA6BBF94-0500-2CEA-623C-CA737CB0DBD6}"/>
               </a:ext>
             </a:extLst>
           </p:cNvPr>
@@ -2645,7 +2645,7 @@
           <p:cNvPr id="5" name="日期占位符 4">
             <a:extLst>
               <a:ext uri="{FF2B5EF4-FFF2-40B4-BE49-F238E27FC236}">
-                <a16:creationId xmlns:a16="http://schemas.microsoft.com/office/drawing/2014/main" id="{ACDA1C48-71A3-A059-B59F-CD23FB11FB74}"/>
+                <a16:creationId xmlns:a16="http://schemas.microsoft.com/office/drawing/2014/main" id="{11ACCA20-D8C6-6F28-ABA0-E3EA2FFB594E}"/>
               </a:ext>
             </a:extLst>
           </p:cNvPr>
@@ -2661,7 +2661,7 @@
           <a:bodyPr/>
           <a:lstStyle/>
           <a:p>
-            <a:fld id="{2392D398-3E67-4F08-A967-ABB929DED3C8}" type="datetimeFigureOut">
+            <a:fld id="{42CE3267-9C64-4FF3-9296-5764C63474AB}" type="datetimeFigureOut">
               <a:rPr lang="zh-CN" altLang="en-US" smtClean="0"/>
               <a:t>2024/3/10</a:t>
             </a:fld>
@@ -2674,7 +2674,7 @@
           <p:cNvPr id="6" name="页脚占位符 5">
             <a:extLst>
               <a:ext uri="{FF2B5EF4-FFF2-40B4-BE49-F238E27FC236}">
-                <a16:creationId xmlns:a16="http://schemas.microsoft.com/office/drawing/2014/main" id="{16C96FAF-071E-C1B2-A05C-08F6354BA38B}"/>
+                <a16:creationId xmlns:a16="http://schemas.microsoft.com/office/drawing/2014/main" id="{F64A06D7-E9CD-4B9E-2428-483801676171}"/>
               </a:ext>
             </a:extLst>
           </p:cNvPr>
@@ -2699,7 +2699,7 @@
           <p:cNvPr id="7" name="灯片编号占位符 6">
             <a:extLst>
               <a:ext uri="{FF2B5EF4-FFF2-40B4-BE49-F238E27FC236}">
-                <a16:creationId xmlns:a16="http://schemas.microsoft.com/office/drawing/2014/main" id="{3E57EF43-4548-01BD-9C56-81096A300099}"/>
+                <a16:creationId xmlns:a16="http://schemas.microsoft.com/office/drawing/2014/main" id="{979AE9A5-4293-B0D3-4BBF-28A19A449699}"/>
               </a:ext>
             </a:extLst>
           </p:cNvPr>
@@ -2715,7 +2715,7 @@
           <a:bodyPr/>
           <a:lstStyle/>
           <a:p>
-            <a:fld id="{001A5D0B-5D05-4115-A299-D730C46AB8ED}" type="slidenum">
+            <a:fld id="{4766C07D-D749-4E0B-A691-03E6D07961D3}" type="slidenum">
               <a:rPr lang="zh-CN" altLang="en-US" smtClean="0"/>
               <a:t>‹#›</a:t>
             </a:fld>
@@ -2726,7 +2726,7 @@
     </p:spTree>
     <p:extLst>
       <p:ext uri="{BB962C8B-B14F-4D97-AF65-F5344CB8AC3E}">
-        <p14:creationId xmlns:p14="http://schemas.microsoft.com/office/powerpoint/2010/main" val="3156569914"/>
+        <p14:creationId xmlns:p14="http://schemas.microsoft.com/office/powerpoint/2010/main" val="1313974683"/>
       </p:ext>
     </p:extLst>
   </p:cSld>
@@ -2763,7 +2763,7 @@
           <p:cNvPr id="2" name="标题占位符 1">
             <a:extLst>
               <a:ext uri="{FF2B5EF4-FFF2-40B4-BE49-F238E27FC236}">
-                <a16:creationId xmlns:a16="http://schemas.microsoft.com/office/drawing/2014/main" id="{4D8CA989-8C11-E464-E1A9-064F224D59BE}"/>
+                <a16:creationId xmlns:a16="http://schemas.microsoft.com/office/drawing/2014/main" id="{64D57015-5AB9-4651-B71F-C6570C175222}"/>
               </a:ext>
             </a:extLst>
           </p:cNvPr>
@@ -2801,7 +2801,7 @@
           <p:cNvPr id="3" name="文本占位符 2">
             <a:extLst>
               <a:ext uri="{FF2B5EF4-FFF2-40B4-BE49-F238E27FC236}">
-                <a16:creationId xmlns:a16="http://schemas.microsoft.com/office/drawing/2014/main" id="{345F8902-63F6-A002-03FF-A560E472F0DE}"/>
+                <a16:creationId xmlns:a16="http://schemas.microsoft.com/office/drawing/2014/main" id="{CE10A5F3-ED97-722B-8F44-FC06C83F09D8}"/>
               </a:ext>
             </a:extLst>
           </p:cNvPr>
@@ -2868,7 +2868,7 @@
           <p:cNvPr id="4" name="日期占位符 3">
             <a:extLst>
               <a:ext uri="{FF2B5EF4-FFF2-40B4-BE49-F238E27FC236}">
-                <a16:creationId xmlns:a16="http://schemas.microsoft.com/office/drawing/2014/main" id="{85B271CE-483E-8F1A-29EB-CD146534A9B0}"/>
+                <a16:creationId xmlns:a16="http://schemas.microsoft.com/office/drawing/2014/main" id="{DDD4E460-07E6-0558-C271-749D406CDA29}"/>
               </a:ext>
             </a:extLst>
           </p:cNvPr>
@@ -2902,7 +2902,7 @@
             </a:lvl1pPr>
           </a:lstStyle>
           <a:p>
-            <a:fld id="{2392D398-3E67-4F08-A967-ABB929DED3C8}" type="datetimeFigureOut">
+            <a:fld id="{42CE3267-9C64-4FF3-9296-5764C63474AB}" type="datetimeFigureOut">
               <a:rPr lang="zh-CN" altLang="en-US" smtClean="0"/>
               <a:t>2024/3/10</a:t>
             </a:fld>
@@ -2915,7 +2915,7 @@
           <p:cNvPr id="5" name="页脚占位符 4">
             <a:extLst>
               <a:ext uri="{FF2B5EF4-FFF2-40B4-BE49-F238E27FC236}">
-                <a16:creationId xmlns:a16="http://schemas.microsoft.com/office/drawing/2014/main" id="{E69170C3-09E2-6AA3-65E7-E1479375C06F}"/>
+                <a16:creationId xmlns:a16="http://schemas.microsoft.com/office/drawing/2014/main" id="{0F29747E-4B6C-AAF5-D267-E7878F519BAE}"/>
               </a:ext>
             </a:extLst>
           </p:cNvPr>
@@ -2958,7 +2958,7 @@
           <p:cNvPr id="6" name="灯片编号占位符 5">
             <a:extLst>
               <a:ext uri="{FF2B5EF4-FFF2-40B4-BE49-F238E27FC236}">
-                <a16:creationId xmlns:a16="http://schemas.microsoft.com/office/drawing/2014/main" id="{87669610-9A3A-E829-1C5A-669C7ACF90BB}"/>
+                <a16:creationId xmlns:a16="http://schemas.microsoft.com/office/drawing/2014/main" id="{D5836605-34BA-5FD0-3C1E-63188C73B322}"/>
               </a:ext>
             </a:extLst>
           </p:cNvPr>
@@ -2992,7 +2992,7 @@
             </a:lvl1pPr>
           </a:lstStyle>
           <a:p>
-            <a:fld id="{001A5D0B-5D05-4115-A299-D730C46AB8ED}" type="slidenum">
+            <a:fld id="{4766C07D-D749-4E0B-A691-03E6D07961D3}" type="slidenum">
               <a:rPr lang="zh-CN" altLang="en-US" smtClean="0"/>
               <a:t>‹#›</a:t>
             </a:fld>
@@ -3003,7 +3003,7 @@
     </p:spTree>
     <p:extLst>
       <p:ext uri="{BB962C8B-B14F-4D97-AF65-F5344CB8AC3E}">
-        <p14:creationId xmlns:p14="http://schemas.microsoft.com/office/powerpoint/2010/main" val="1568434123"/>
+        <p14:creationId xmlns:p14="http://schemas.microsoft.com/office/powerpoint/2010/main" val="939557555"/>
       </p:ext>
     </p:extLst>
   </p:cSld>
@@ -3323,7 +3323,7 @@
       </p:grpSpPr>
       <p:pic>
         <p:nvPicPr>
-          <p:cNvPr id="1637378" name="Picture 2" descr="1598"/>
+          <p:cNvPr id="1638402" name="Picture 2" descr="1599"/>
           <p:cNvPicPr>
             <a:picLocks noChangeAspect="1" noChangeArrowheads="1"/>
           </p:cNvPicPr>
@@ -3344,8 +3344,8 @@
         </p:blipFill>
         <p:spPr bwMode="auto">
           <a:xfrm>
-            <a:off x="1524001" y="0"/>
-            <a:ext cx="9053513" cy="6789738"/>
+            <a:off x="1614488" y="0"/>
+            <a:ext cx="9053512" cy="6789738"/>
           </a:xfrm>
           <a:prstGeom prst="rect">
             <a:avLst/>
